--- a/IronFianl/演示文稿1.pptx
+++ b/IronFianl/演示文稿1.pptx
@@ -6,8 +6,10 @@
   </p:sldMasterIdLst>
   <p:sldIdLst>
     <p:sldId id="258" r:id="rId2"/>
-    <p:sldId id="256" r:id="rId3"/>
-    <p:sldId id="257" r:id="rId4"/>
+    <p:sldId id="260" r:id="rId3"/>
+    <p:sldId id="256" r:id="rId4"/>
+    <p:sldId id="257" r:id="rId5"/>
+    <p:sldId id="259" r:id="rId6"/>
   </p:sldIdLst>
   <p:sldSz cx="12192000" cy="6858000"/>
   <p:notesSz cx="6858000" cy="9144000"/>
@@ -106,6 +108,11 @@
       </a:defRPr>
     </a:lvl9pPr>
   </p:defaultTextStyle>
+  <p:extLst>
+    <p:ext uri="{EFAFB233-063F-42B5-8137-9DF3F51BA10A}">
+      <p15:sldGuideLst xmlns:p15="http://schemas.microsoft.com/office/powerpoint/2012/main"/>
+    </p:ext>
+  </p:extLst>
 </p:presentation>
 </file>
 
@@ -256,7 +263,7 @@
           <a:p>
             <a:fld id="{D31E79DB-C1B0-4575-BF5A-481252C354AC}" type="datetimeFigureOut">
               <a:rPr lang="zh-CN" altLang="en-US" smtClean="0"/>
-              <a:t>2023/9/3</a:t>
+              <a:t>2023/9/4</a:t>
             </a:fld>
             <a:endParaRPr lang="zh-CN" altLang="en-US"/>
           </a:p>
@@ -454,7 +461,7 @@
           <a:p>
             <a:fld id="{D31E79DB-C1B0-4575-BF5A-481252C354AC}" type="datetimeFigureOut">
               <a:rPr lang="zh-CN" altLang="en-US" smtClean="0"/>
-              <a:t>2023/9/3</a:t>
+              <a:t>2023/9/4</a:t>
             </a:fld>
             <a:endParaRPr lang="zh-CN" altLang="en-US"/>
           </a:p>
@@ -662,7 +669,7 @@
           <a:p>
             <a:fld id="{D31E79DB-C1B0-4575-BF5A-481252C354AC}" type="datetimeFigureOut">
               <a:rPr lang="zh-CN" altLang="en-US" smtClean="0"/>
-              <a:t>2023/9/3</a:t>
+              <a:t>2023/9/4</a:t>
             </a:fld>
             <a:endParaRPr lang="zh-CN" altLang="en-US"/>
           </a:p>
@@ -860,7 +867,7 @@
           <a:p>
             <a:fld id="{D31E79DB-C1B0-4575-BF5A-481252C354AC}" type="datetimeFigureOut">
               <a:rPr lang="zh-CN" altLang="en-US" smtClean="0"/>
-              <a:t>2023/9/3</a:t>
+              <a:t>2023/9/4</a:t>
             </a:fld>
             <a:endParaRPr lang="zh-CN" altLang="en-US"/>
           </a:p>
@@ -1135,7 +1142,7 @@
           <a:p>
             <a:fld id="{D31E79DB-C1B0-4575-BF5A-481252C354AC}" type="datetimeFigureOut">
               <a:rPr lang="zh-CN" altLang="en-US" smtClean="0"/>
-              <a:t>2023/9/3</a:t>
+              <a:t>2023/9/4</a:t>
             </a:fld>
             <a:endParaRPr lang="zh-CN" altLang="en-US"/>
           </a:p>
@@ -1400,7 +1407,7 @@
           <a:p>
             <a:fld id="{D31E79DB-C1B0-4575-BF5A-481252C354AC}" type="datetimeFigureOut">
               <a:rPr lang="zh-CN" altLang="en-US" smtClean="0"/>
-              <a:t>2023/9/3</a:t>
+              <a:t>2023/9/4</a:t>
             </a:fld>
             <a:endParaRPr lang="zh-CN" altLang="en-US"/>
           </a:p>
@@ -1812,7 +1819,7 @@
           <a:p>
             <a:fld id="{D31E79DB-C1B0-4575-BF5A-481252C354AC}" type="datetimeFigureOut">
               <a:rPr lang="zh-CN" altLang="en-US" smtClean="0"/>
-              <a:t>2023/9/3</a:t>
+              <a:t>2023/9/4</a:t>
             </a:fld>
             <a:endParaRPr lang="zh-CN" altLang="en-US"/>
           </a:p>
@@ -1953,7 +1960,7 @@
           <a:p>
             <a:fld id="{D31E79DB-C1B0-4575-BF5A-481252C354AC}" type="datetimeFigureOut">
               <a:rPr lang="zh-CN" altLang="en-US" smtClean="0"/>
-              <a:t>2023/9/3</a:t>
+              <a:t>2023/9/4</a:t>
             </a:fld>
             <a:endParaRPr lang="zh-CN" altLang="en-US"/>
           </a:p>
@@ -2066,7 +2073,7 @@
           <a:p>
             <a:fld id="{D31E79DB-C1B0-4575-BF5A-481252C354AC}" type="datetimeFigureOut">
               <a:rPr lang="zh-CN" altLang="en-US" smtClean="0"/>
-              <a:t>2023/9/3</a:t>
+              <a:t>2023/9/4</a:t>
             </a:fld>
             <a:endParaRPr lang="zh-CN" altLang="en-US"/>
           </a:p>
@@ -2377,7 +2384,7 @@
           <a:p>
             <a:fld id="{D31E79DB-C1B0-4575-BF5A-481252C354AC}" type="datetimeFigureOut">
               <a:rPr lang="zh-CN" altLang="en-US" smtClean="0"/>
-              <a:t>2023/9/3</a:t>
+              <a:t>2023/9/4</a:t>
             </a:fld>
             <a:endParaRPr lang="zh-CN" altLang="en-US"/>
           </a:p>
@@ -2665,7 +2672,7 @@
           <a:p>
             <a:fld id="{D31E79DB-C1B0-4575-BF5A-481252C354AC}" type="datetimeFigureOut">
               <a:rPr lang="zh-CN" altLang="en-US" smtClean="0"/>
-              <a:t>2023/9/3</a:t>
+              <a:t>2023/9/4</a:t>
             </a:fld>
             <a:endParaRPr lang="zh-CN" altLang="en-US"/>
           </a:p>
@@ -2906,7 +2913,7 @@
           <a:p>
             <a:fld id="{D31E79DB-C1B0-4575-BF5A-481252C354AC}" type="datetimeFigureOut">
               <a:rPr lang="zh-CN" altLang="en-US" smtClean="0"/>
-              <a:t>2023/9/3</a:t>
+              <a:t>2023/9/4</a:t>
             </a:fld>
             <a:endParaRPr lang="zh-CN" altLang="en-US"/>
           </a:p>
@@ -3383,188 +3390,60 @@
           <a:chExt cx="0" cy="0"/>
         </a:xfrm>
       </p:grpSpPr>
-      <p:pic>
-        <p:nvPicPr>
-          <p:cNvPr id="15" name="图片 14">
-            <a:extLst>
-              <a:ext uri="{FF2B5EF4-FFF2-40B4-BE49-F238E27FC236}">
-                <a16:creationId xmlns:a16="http://schemas.microsoft.com/office/drawing/2014/main" id="{AD752D6F-6E84-4582-A704-91B38699016B}"/>
-              </a:ext>
-            </a:extLst>
-          </p:cNvPr>
-          <p:cNvPicPr>
-            <a:picLocks noChangeAspect="1"/>
-          </p:cNvPicPr>
-          <p:nvPr/>
-        </p:nvPicPr>
-        <p:blipFill>
-          <a:blip r:embed="rId2"/>
-          <a:stretch>
-            <a:fillRect/>
-          </a:stretch>
-        </p:blipFill>
-        <p:spPr>
-          <a:xfrm>
-            <a:off x="6232964" y="4560485"/>
-            <a:ext cx="2511836" cy="2297515"/>
-          </a:xfrm>
-          <a:prstGeom prst="rect">
-            <a:avLst/>
-          </a:prstGeom>
-        </p:spPr>
-      </p:pic>
-      <p:pic>
-        <p:nvPicPr>
-          <p:cNvPr id="5" name="图片 4">
-            <a:extLst>
-              <a:ext uri="{FF2B5EF4-FFF2-40B4-BE49-F238E27FC236}">
-                <a16:creationId xmlns:a16="http://schemas.microsoft.com/office/drawing/2014/main" id="{7D4141C8-417B-4F6F-AEDE-5C44B3DED294}"/>
-              </a:ext>
-            </a:extLst>
-          </p:cNvPr>
-          <p:cNvPicPr>
-            <a:picLocks noChangeAspect="1"/>
-          </p:cNvPicPr>
-          <p:nvPr/>
-        </p:nvPicPr>
-        <p:blipFill rotWithShape="1">
-          <a:blip r:embed="rId3"/>
-          <a:srcRect r="7614" b="4622"/>
-          <a:stretch/>
-        </p:blipFill>
-        <p:spPr>
-          <a:xfrm>
-            <a:off x="1683379" y="90035"/>
-            <a:ext cx="2592059" cy="2294820"/>
-          </a:xfrm>
-          <a:prstGeom prst="rect">
-            <a:avLst/>
-          </a:prstGeom>
-        </p:spPr>
-      </p:pic>
-      <p:pic>
-        <p:nvPicPr>
-          <p:cNvPr id="7" name="图片 6">
-            <a:extLst>
-              <a:ext uri="{FF2B5EF4-FFF2-40B4-BE49-F238E27FC236}">
-                <a16:creationId xmlns:a16="http://schemas.microsoft.com/office/drawing/2014/main" id="{F5C7551D-8E7A-410A-82D0-247FE4B62C3C}"/>
-              </a:ext>
-            </a:extLst>
-          </p:cNvPr>
-          <p:cNvPicPr>
-            <a:picLocks noChangeAspect="1"/>
-          </p:cNvPicPr>
-          <p:nvPr/>
-        </p:nvPicPr>
-        <p:blipFill>
-          <a:blip r:embed="rId4"/>
-          <a:stretch>
-            <a:fillRect/>
-          </a:stretch>
-        </p:blipFill>
-        <p:spPr>
-          <a:xfrm>
-            <a:off x="1888303" y="2260355"/>
-            <a:ext cx="2625944" cy="2465172"/>
-          </a:xfrm>
-          <a:prstGeom prst="rect">
-            <a:avLst/>
-          </a:prstGeom>
-        </p:spPr>
-      </p:pic>
-      <p:pic>
-        <p:nvPicPr>
-          <p:cNvPr id="9" name="图片 8">
-            <a:extLst>
-              <a:ext uri="{FF2B5EF4-FFF2-40B4-BE49-F238E27FC236}">
-                <a16:creationId xmlns:a16="http://schemas.microsoft.com/office/drawing/2014/main" id="{F64EE224-576E-4086-BFA7-D720C7807FA3}"/>
-              </a:ext>
-            </a:extLst>
-          </p:cNvPr>
-          <p:cNvPicPr>
-            <a:picLocks noChangeAspect="1"/>
-          </p:cNvPicPr>
-          <p:nvPr/>
-        </p:nvPicPr>
-        <p:blipFill>
-          <a:blip r:embed="rId5"/>
-          <a:stretch>
-            <a:fillRect/>
-          </a:stretch>
-        </p:blipFill>
-        <p:spPr>
-          <a:xfrm>
-            <a:off x="2052973" y="4473146"/>
-            <a:ext cx="2148325" cy="2164298"/>
-          </a:xfrm>
-          <a:prstGeom prst="rect">
-            <a:avLst/>
-          </a:prstGeom>
-        </p:spPr>
-      </p:pic>
-      <p:pic>
-        <p:nvPicPr>
-          <p:cNvPr id="11" name="图片 10">
-            <a:extLst>
-              <a:ext uri="{FF2B5EF4-FFF2-40B4-BE49-F238E27FC236}">
-                <a16:creationId xmlns:a16="http://schemas.microsoft.com/office/drawing/2014/main" id="{797585A3-ACF1-494E-AAC0-797E64F31D9E}"/>
-              </a:ext>
-            </a:extLst>
-          </p:cNvPr>
-          <p:cNvPicPr>
-            <a:picLocks noChangeAspect="1"/>
-          </p:cNvPicPr>
-          <p:nvPr/>
-        </p:nvPicPr>
-        <p:blipFill>
-          <a:blip r:embed="rId6"/>
-          <a:stretch>
-            <a:fillRect/>
-          </a:stretch>
-        </p:blipFill>
-        <p:spPr>
-          <a:xfrm>
-            <a:off x="6139248" y="45893"/>
-            <a:ext cx="2592059" cy="2338962"/>
-          </a:xfrm>
-          <a:prstGeom prst="rect">
-            <a:avLst/>
-          </a:prstGeom>
-        </p:spPr>
-      </p:pic>
-      <p:pic>
-        <p:nvPicPr>
-          <p:cNvPr id="13" name="图片 12">
-            <a:extLst>
-              <a:ext uri="{FF2B5EF4-FFF2-40B4-BE49-F238E27FC236}">
-                <a16:creationId xmlns:a16="http://schemas.microsoft.com/office/drawing/2014/main" id="{0124359E-3029-4247-A463-BC74076B131D}"/>
-              </a:ext>
-            </a:extLst>
-          </p:cNvPr>
-          <p:cNvPicPr>
-            <a:picLocks noChangeAspect="1"/>
-          </p:cNvPicPr>
-          <p:nvPr/>
-        </p:nvPicPr>
-        <p:blipFill rotWithShape="1">
-          <a:blip r:embed="rId7"/>
-          <a:srcRect b="6723"/>
-          <a:stretch/>
-        </p:blipFill>
-        <p:spPr>
-          <a:xfrm>
-            <a:off x="6139248" y="2406926"/>
-            <a:ext cx="2699267" cy="2231137"/>
-          </a:xfrm>
-          <a:prstGeom prst="rect">
-            <a:avLst/>
-          </a:prstGeom>
-        </p:spPr>
-      </p:pic>
+      <p:sp>
+        <p:nvSpPr>
+          <p:cNvPr id="2" name="标题 1">
+            <a:extLst>
+              <a:ext uri="{FF2B5EF4-FFF2-40B4-BE49-F238E27FC236}">
+                <a16:creationId xmlns:a16="http://schemas.microsoft.com/office/drawing/2014/main" id="{B630EE6B-045A-4C11-8909-4B7AD0823766}"/>
+              </a:ext>
+            </a:extLst>
+          </p:cNvPr>
+          <p:cNvSpPr>
+            <a:spLocks noGrp="1"/>
+          </p:cNvSpPr>
+          <p:nvPr>
+            <p:ph type="title"/>
+          </p:nvPr>
+        </p:nvSpPr>
+        <p:spPr/>
+        <p:txBody>
+          <a:bodyPr/>
+          <a:lstStyle/>
+          <a:p>
+            <a:endParaRPr lang="zh-CN" altLang="en-US"/>
+          </a:p>
+        </p:txBody>
+      </p:sp>
+      <p:sp>
+        <p:nvSpPr>
+          <p:cNvPr id="3" name="内容占位符 2">
+            <a:extLst>
+              <a:ext uri="{FF2B5EF4-FFF2-40B4-BE49-F238E27FC236}">
+                <a16:creationId xmlns:a16="http://schemas.microsoft.com/office/drawing/2014/main" id="{F2EC2433-203B-4060-A50A-83822B58D2EC}"/>
+              </a:ext>
+            </a:extLst>
+          </p:cNvPr>
+          <p:cNvSpPr>
+            <a:spLocks noGrp="1"/>
+          </p:cNvSpPr>
+          <p:nvPr>
+            <p:ph idx="1"/>
+          </p:nvPr>
+        </p:nvSpPr>
+        <p:spPr/>
+        <p:txBody>
+          <a:bodyPr/>
+          <a:lstStyle/>
+          <a:p>
+            <a:endParaRPr lang="zh-CN" altLang="en-US"/>
+          </a:p>
+        </p:txBody>
+      </p:sp>
     </p:spTree>
     <p:extLst>
       <p:ext uri="{BB962C8B-B14F-4D97-AF65-F5344CB8AC3E}">
-        <p14:creationId xmlns:p14="http://schemas.microsoft.com/office/powerpoint/2010/main" val="1869779987"/>
+        <p14:creationId xmlns:p14="http://schemas.microsoft.com/office/powerpoint/2010/main" val="639698309"/>
       </p:ext>
     </p:extLst>
   </p:cSld>
@@ -3593,6 +3472,1081 @@
       </p:grpSpPr>
       <p:pic>
         <p:nvPicPr>
+          <p:cNvPr id="9" name="图片 8">
+            <a:extLst>
+              <a:ext uri="{FF2B5EF4-FFF2-40B4-BE49-F238E27FC236}">
+                <a16:creationId xmlns:a16="http://schemas.microsoft.com/office/drawing/2014/main" id="{F64EE224-576E-4086-BFA7-D720C7807FA3}"/>
+              </a:ext>
+            </a:extLst>
+          </p:cNvPr>
+          <p:cNvPicPr>
+            <a:picLocks noChangeAspect="1"/>
+          </p:cNvPicPr>
+          <p:nvPr/>
+        </p:nvPicPr>
+        <p:blipFill rotWithShape="1">
+          <a:blip r:embed="rId2"/>
+          <a:srcRect l="-3235" t="2080" b="-5169"/>
+          <a:stretch/>
+        </p:blipFill>
+        <p:spPr>
+          <a:xfrm>
+            <a:off x="5555102" y="4454466"/>
+            <a:ext cx="2217838" cy="2231137"/>
+          </a:xfrm>
+          <a:prstGeom prst="ellipse">
+            <a:avLst/>
+          </a:prstGeom>
+        </p:spPr>
+      </p:pic>
+      <p:pic>
+        <p:nvPicPr>
+          <p:cNvPr id="11" name="图片 10">
+            <a:extLst>
+              <a:ext uri="{FF2B5EF4-FFF2-40B4-BE49-F238E27FC236}">
+                <a16:creationId xmlns:a16="http://schemas.microsoft.com/office/drawing/2014/main" id="{797585A3-ACF1-494E-AAC0-797E64F31D9E}"/>
+              </a:ext>
+            </a:extLst>
+          </p:cNvPr>
+          <p:cNvPicPr>
+            <a:picLocks noChangeAspect="1"/>
+          </p:cNvPicPr>
+          <p:nvPr/>
+        </p:nvPicPr>
+        <p:blipFill>
+          <a:blip r:embed="rId3"/>
+          <a:stretch>
+            <a:fillRect/>
+          </a:stretch>
+        </p:blipFill>
+        <p:spPr>
+          <a:xfrm>
+            <a:off x="2121826" y="111045"/>
+            <a:ext cx="2592059" cy="2338962"/>
+          </a:xfrm>
+          <a:prstGeom prst="rect">
+            <a:avLst/>
+          </a:prstGeom>
+        </p:spPr>
+      </p:pic>
+      <p:pic>
+        <p:nvPicPr>
+          <p:cNvPr id="7" name="图片 6">
+            <a:extLst>
+              <a:ext uri="{FF2B5EF4-FFF2-40B4-BE49-F238E27FC236}">
+                <a16:creationId xmlns:a16="http://schemas.microsoft.com/office/drawing/2014/main" id="{F5C7551D-8E7A-410A-82D0-247FE4B62C3C}"/>
+              </a:ext>
+            </a:extLst>
+          </p:cNvPr>
+          <p:cNvPicPr>
+            <a:picLocks noChangeAspect="1"/>
+          </p:cNvPicPr>
+          <p:nvPr/>
+        </p:nvPicPr>
+        <p:blipFill rotWithShape="1">
+          <a:blip r:embed="rId4"/>
+          <a:srcRect l="3569" t="4126" r="5733" b="11635"/>
+          <a:stretch/>
+        </p:blipFill>
+        <p:spPr>
+          <a:xfrm>
+            <a:off x="5406515" y="2737265"/>
+            <a:ext cx="2381709" cy="1970338"/>
+          </a:xfrm>
+          <a:prstGeom prst="ellipse">
+            <a:avLst/>
+          </a:prstGeom>
+        </p:spPr>
+      </p:pic>
+      <p:pic>
+        <p:nvPicPr>
+          <p:cNvPr id="3" name="图片 2">
+            <a:extLst>
+              <a:ext uri="{FF2B5EF4-FFF2-40B4-BE49-F238E27FC236}">
+                <a16:creationId xmlns:a16="http://schemas.microsoft.com/office/drawing/2014/main" id="{E4D0676C-C198-4317-B1C1-9A7208CBA1CE}"/>
+              </a:ext>
+            </a:extLst>
+          </p:cNvPr>
+          <p:cNvPicPr>
+            <a:picLocks noChangeAspect="1"/>
+          </p:cNvPicPr>
+          <p:nvPr/>
+        </p:nvPicPr>
+        <p:blipFill rotWithShape="1">
+          <a:blip r:embed="rId5">
+            <a:extLst>
+              <a:ext uri="{28A0092B-C50C-407E-A947-70E740481C1C}">
+                <a14:useLocalDpi xmlns:a14="http://schemas.microsoft.com/office/drawing/2010/main" val="0"/>
+              </a:ext>
+            </a:extLst>
+          </a:blip>
+          <a:srcRect l="3927" t="4774" r="7961" b="5340"/>
+          <a:stretch/>
+        </p:blipFill>
+        <p:spPr>
+          <a:xfrm>
+            <a:off x="5329102" y="753123"/>
+            <a:ext cx="2350585" cy="2071672"/>
+          </a:xfrm>
+          <a:prstGeom prst="rect">
+            <a:avLst/>
+          </a:prstGeom>
+        </p:spPr>
+      </p:pic>
+      <p:sp>
+        <p:nvSpPr>
+          <p:cNvPr id="4" name="矩形 3">
+            <a:extLst>
+              <a:ext uri="{FF2B5EF4-FFF2-40B4-BE49-F238E27FC236}">
+                <a16:creationId xmlns:a16="http://schemas.microsoft.com/office/drawing/2014/main" id="{A75982F7-61A0-4A8E-B1E6-5DB8763C6A2D}"/>
+              </a:ext>
+            </a:extLst>
+          </p:cNvPr>
+          <p:cNvSpPr/>
+          <p:nvPr/>
+        </p:nvSpPr>
+        <p:spPr>
+          <a:xfrm>
+            <a:off x="3527125" y="4588475"/>
+            <a:ext cx="932879" cy="560173"/>
+          </a:xfrm>
+          <a:prstGeom prst="rect">
+            <a:avLst/>
+          </a:prstGeom>
+          <a:noFill/>
+          <a:ln>
+            <a:noFill/>
+          </a:ln>
+        </p:spPr>
+        <p:style>
+          <a:lnRef idx="2">
+            <a:schemeClr val="accent1">
+              <a:shade val="50000"/>
+            </a:schemeClr>
+          </a:lnRef>
+          <a:fillRef idx="1">
+            <a:schemeClr val="accent1"/>
+          </a:fillRef>
+          <a:effectRef idx="0">
+            <a:schemeClr val="accent1"/>
+          </a:effectRef>
+          <a:fontRef idx="minor">
+            <a:schemeClr val="lt1"/>
+          </a:fontRef>
+        </p:style>
+        <p:txBody>
+          <a:bodyPr rtlCol="0" anchor="ctr"/>
+          <a:lstStyle/>
+          <a:p>
+            <a:pPr algn="ctr"/>
+            <a:endParaRPr lang="zh-CN" altLang="en-US"/>
+          </a:p>
+        </p:txBody>
+      </p:sp>
+      <mc:AlternateContent xmlns:mc="http://schemas.openxmlformats.org/markup-compatibility/2006">
+        <mc:Choice xmlns:a14="http://schemas.microsoft.com/office/drawing/2010/main" Requires="a14">
+          <p:sp>
+            <p:nvSpPr>
+              <p:cNvPr id="6" name="文本框 5">
+                <a:extLst>
+                  <a:ext uri="{FF2B5EF4-FFF2-40B4-BE49-F238E27FC236}">
+                    <a16:creationId xmlns:a16="http://schemas.microsoft.com/office/drawing/2014/main" id="{BA807446-6634-4E9D-87F2-3BBD5697D92C}"/>
+                  </a:ext>
+                </a:extLst>
+              </p:cNvPr>
+              <p:cNvSpPr txBox="1"/>
+              <p:nvPr/>
+            </p:nvSpPr>
+            <p:spPr>
+              <a:xfrm>
+                <a:off x="6202375" y="6422812"/>
+                <a:ext cx="745332" cy="276999"/>
+              </a:xfrm>
+              <a:prstGeom prst="rect">
+                <a:avLst/>
+              </a:prstGeom>
+              <a:noFill/>
+            </p:spPr>
+            <p:txBody>
+              <a:bodyPr wrap="none" lIns="0" tIns="0" rIns="0" bIns="0" rtlCol="0">
+                <a:spAutoFit/>
+              </a:bodyPr>
+              <a:lstStyle/>
+              <a:p>
+                <a14:m>
+                  <m:oMathPara xmlns:m="http://schemas.openxmlformats.org/officeDocument/2006/math">
+                    <m:oMathParaPr>
+                      <m:jc m:val="centerGroup"/>
+                    </m:oMathParaPr>
+                    <m:oMath xmlns:m="http://schemas.openxmlformats.org/officeDocument/2006/math">
+                      <m:sSubSup>
+                        <m:sSubSupPr>
+                          <m:ctrlPr>
+                            <a:rPr lang="en-US" altLang="zh-CN" b="0" i="1" smtClean="0">
+                              <a:latin typeface="Cambria Math" panose="02040503050406030204" pitchFamily="18" charset="0"/>
+                            </a:rPr>
+                          </m:ctrlPr>
+                        </m:sSubSupPr>
+                        <m:e>
+                          <m:r>
+                            <a:rPr lang="en-US" altLang="zh-CN" b="0" i="1" smtClean="0">
+                              <a:latin typeface="Cambria Math" panose="02040503050406030204" pitchFamily="18" charset="0"/>
+                            </a:rPr>
+                            <m:t>𝐴</m:t>
+                          </m:r>
+                        </m:e>
+                        <m:sub>
+                          <m:r>
+                            <a:rPr lang="en-US" altLang="zh-CN" b="0" i="1" smtClean="0">
+                              <a:latin typeface="Cambria Math" panose="02040503050406030204" pitchFamily="18" charset="0"/>
+                            </a:rPr>
+                            <m:t>3</m:t>
+                          </m:r>
+                        </m:sub>
+                        <m:sup>
+                          <m:r>
+                            <a:rPr lang="en-US" altLang="zh-CN" b="0" i="1" smtClean="0">
+                              <a:latin typeface="Cambria Math" panose="02040503050406030204" pitchFamily="18" charset="0"/>
+                            </a:rPr>
+                            <m:t>′</m:t>
+                          </m:r>
+                        </m:sup>
+                      </m:sSubSup>
+                      <m:r>
+                        <a:rPr lang="en-US" altLang="zh-CN" b="0" i="1" smtClean="0">
+                          <a:latin typeface="Cambria Math" panose="02040503050406030204" pitchFamily="18" charset="0"/>
+                        </a:rPr>
+                        <m:t>&gt;0</m:t>
+                      </m:r>
+                    </m:oMath>
+                  </m:oMathPara>
+                </a14:m>
+                <a:endParaRPr lang="zh-CN" altLang="en-US" dirty="0"/>
+              </a:p>
+            </p:txBody>
+          </p:sp>
+        </mc:Choice>
+        <mc:Fallback>
+          <p:sp>
+            <p:nvSpPr>
+              <p:cNvPr id="6" name="文本框 5">
+                <a:extLst>
+                  <a:ext uri="{FF2B5EF4-FFF2-40B4-BE49-F238E27FC236}">
+                    <a16:creationId xmlns:a16="http://schemas.microsoft.com/office/drawing/2014/main" id="{BA807446-6634-4E9D-87F2-3BBD5697D92C}"/>
+                  </a:ext>
+                </a:extLst>
+              </p:cNvPr>
+              <p:cNvSpPr txBox="1">
+                <a:spLocks noRot="1" noChangeAspect="1" noMove="1" noResize="1" noEditPoints="1" noAdjustHandles="1" noChangeArrowheads="1" noChangeShapeType="1" noTextEdit="1"/>
+              </p:cNvSpPr>
+              <p:nvPr/>
+            </p:nvSpPr>
+            <p:spPr>
+              <a:xfrm>
+                <a:off x="6202375" y="6422812"/>
+                <a:ext cx="745332" cy="276999"/>
+              </a:xfrm>
+              <a:prstGeom prst="rect">
+                <a:avLst/>
+              </a:prstGeom>
+              <a:blipFill>
+                <a:blip r:embed="rId6"/>
+                <a:stretch>
+                  <a:fillRect l="-5691" r="-6504" b="-17778"/>
+                </a:stretch>
+              </a:blipFill>
+            </p:spPr>
+            <p:txBody>
+              <a:bodyPr/>
+              <a:lstStyle/>
+              <a:p>
+                <a:r>
+                  <a:rPr lang="zh-CN" altLang="en-US">
+                    <a:noFill/>
+                  </a:rPr>
+                  <a:t> </a:t>
+                </a:r>
+              </a:p>
+            </p:txBody>
+          </p:sp>
+        </mc:Fallback>
+      </mc:AlternateContent>
+      <mc:AlternateContent xmlns:mc="http://schemas.openxmlformats.org/markup-compatibility/2006">
+        <mc:Choice xmlns:a14="http://schemas.microsoft.com/office/drawing/2010/main" Requires="a14">
+          <p:sp>
+            <p:nvSpPr>
+              <p:cNvPr id="14" name="文本框 13">
+                <a:extLst>
+                  <a:ext uri="{FF2B5EF4-FFF2-40B4-BE49-F238E27FC236}">
+                    <a16:creationId xmlns:a16="http://schemas.microsoft.com/office/drawing/2014/main" id="{3694A5AF-C6A4-49A2-B484-CEA315125DBF}"/>
+                  </a:ext>
+                </a:extLst>
+              </p:cNvPr>
+              <p:cNvSpPr txBox="1"/>
+              <p:nvPr/>
+            </p:nvSpPr>
+            <p:spPr>
+              <a:xfrm>
+                <a:off x="3090519" y="6317437"/>
+                <a:ext cx="873211" cy="382374"/>
+              </a:xfrm>
+              <a:prstGeom prst="rect">
+                <a:avLst/>
+              </a:prstGeom>
+              <a:noFill/>
+            </p:spPr>
+            <p:txBody>
+              <a:bodyPr wrap="square">
+                <a:spAutoFit/>
+              </a:bodyPr>
+              <a:lstStyle/>
+              <a:p>
+                <a:pPr/>
+                <a14:m>
+                  <m:oMathPara xmlns:m="http://schemas.openxmlformats.org/officeDocument/2006/math">
+                    <m:oMathParaPr>
+                      <m:jc m:val="centerGroup"/>
+                    </m:oMathParaPr>
+                    <m:oMath xmlns:m="http://schemas.openxmlformats.org/officeDocument/2006/math">
+                      <m:sSubSup>
+                        <m:sSubSupPr>
+                          <m:ctrlPr>
+                            <a:rPr lang="en-US" altLang="zh-CN" b="0" i="1" smtClean="0">
+                              <a:latin typeface="Cambria Math" panose="02040503050406030204" pitchFamily="18" charset="0"/>
+                            </a:rPr>
+                          </m:ctrlPr>
+                        </m:sSubSupPr>
+                        <m:e>
+                          <m:r>
+                            <a:rPr lang="en-US" altLang="zh-CN" b="0" i="1" smtClean="0">
+                              <a:latin typeface="Cambria Math" panose="02040503050406030204" pitchFamily="18" charset="0"/>
+                            </a:rPr>
+                            <m:t>𝐴</m:t>
+                          </m:r>
+                        </m:e>
+                        <m:sub>
+                          <m:r>
+                            <a:rPr lang="en-US" altLang="zh-CN" b="0" i="1" smtClean="0">
+                              <a:latin typeface="Cambria Math" panose="02040503050406030204" pitchFamily="18" charset="0"/>
+                            </a:rPr>
+                            <m:t>3</m:t>
+                          </m:r>
+                        </m:sub>
+                        <m:sup>
+                          <m:r>
+                            <a:rPr lang="en-US" altLang="zh-CN" b="0" i="1" smtClean="0">
+                              <a:latin typeface="Cambria Math" panose="02040503050406030204" pitchFamily="18" charset="0"/>
+                            </a:rPr>
+                            <m:t>′</m:t>
+                          </m:r>
+                        </m:sup>
+                      </m:sSubSup>
+                      <m:r>
+                        <a:rPr lang="en-US" altLang="zh-CN" b="0" i="1" smtClean="0">
+                          <a:latin typeface="Cambria Math" panose="02040503050406030204" pitchFamily="18" charset="0"/>
+                        </a:rPr>
+                        <m:t>&lt;</m:t>
+                      </m:r>
+                      <m:r>
+                        <a:rPr lang="en-US" altLang="zh-CN" b="0" i="1" smtClean="0">
+                          <a:latin typeface="Cambria Math" panose="02040503050406030204" pitchFamily="18" charset="0"/>
+                        </a:rPr>
+                        <m:t>0</m:t>
+                      </m:r>
+                    </m:oMath>
+                  </m:oMathPara>
+                </a14:m>
+                <a:endParaRPr lang="zh-CN" altLang="en-US" dirty="0"/>
+              </a:p>
+            </p:txBody>
+          </p:sp>
+        </mc:Choice>
+        <mc:Fallback>
+          <p:sp>
+            <p:nvSpPr>
+              <p:cNvPr id="14" name="文本框 13">
+                <a:extLst>
+                  <a:ext uri="{FF2B5EF4-FFF2-40B4-BE49-F238E27FC236}">
+                    <a16:creationId xmlns:a16="http://schemas.microsoft.com/office/drawing/2014/main" id="{3694A5AF-C6A4-49A2-B484-CEA315125DBF}"/>
+                  </a:ext>
+                </a:extLst>
+              </p:cNvPr>
+              <p:cNvSpPr txBox="1">
+                <a:spLocks noRot="1" noChangeAspect="1" noMove="1" noResize="1" noEditPoints="1" noAdjustHandles="1" noChangeArrowheads="1" noChangeShapeType="1" noTextEdit="1"/>
+              </p:cNvSpPr>
+              <p:nvPr/>
+            </p:nvSpPr>
+            <p:spPr>
+              <a:xfrm>
+                <a:off x="3090519" y="6317437"/>
+                <a:ext cx="873211" cy="382374"/>
+              </a:xfrm>
+              <a:prstGeom prst="rect">
+                <a:avLst/>
+              </a:prstGeom>
+              <a:blipFill>
+                <a:blip r:embed="rId7"/>
+                <a:stretch>
+                  <a:fillRect/>
+                </a:stretch>
+              </a:blipFill>
+            </p:spPr>
+            <p:txBody>
+              <a:bodyPr/>
+              <a:lstStyle/>
+              <a:p>
+                <a:r>
+                  <a:rPr lang="zh-CN" altLang="en-US">
+                    <a:noFill/>
+                  </a:rPr>
+                  <a:t> </a:t>
+                </a:r>
+              </a:p>
+            </p:txBody>
+          </p:sp>
+        </mc:Fallback>
+      </mc:AlternateContent>
+      <p:pic>
+        <p:nvPicPr>
+          <p:cNvPr id="15" name="图片 14">
+            <a:extLst>
+              <a:ext uri="{FF2B5EF4-FFF2-40B4-BE49-F238E27FC236}">
+                <a16:creationId xmlns:a16="http://schemas.microsoft.com/office/drawing/2014/main" id="{AD752D6F-6E84-4582-A704-91B38699016B}"/>
+              </a:ext>
+            </a:extLst>
+          </p:cNvPr>
+          <p:cNvPicPr>
+            <a:picLocks noChangeAspect="1"/>
+          </p:cNvPicPr>
+          <p:nvPr/>
+        </p:nvPicPr>
+        <p:blipFill rotWithShape="1">
+          <a:blip r:embed="rId8"/>
+          <a:srcRect l="-5830" t="3676" r="-57" b="3744"/>
+          <a:stretch/>
+        </p:blipFill>
+        <p:spPr>
+          <a:xfrm>
+            <a:off x="2241886" y="4520032"/>
+            <a:ext cx="2464583" cy="1867461"/>
+          </a:xfrm>
+          <a:prstGeom prst="parallelogram">
+            <a:avLst/>
+          </a:prstGeom>
+        </p:spPr>
+      </p:pic>
+      <p:pic>
+        <p:nvPicPr>
+          <p:cNvPr id="12" name="图片 11">
+            <a:extLst>
+              <a:ext uri="{FF2B5EF4-FFF2-40B4-BE49-F238E27FC236}">
+                <a16:creationId xmlns:a16="http://schemas.microsoft.com/office/drawing/2014/main" id="{A3154138-95E1-4E65-838A-09F07BB4C9C6}"/>
+              </a:ext>
+            </a:extLst>
+          </p:cNvPr>
+          <p:cNvPicPr>
+            <a:picLocks noChangeAspect="1"/>
+          </p:cNvPicPr>
+          <p:nvPr/>
+        </p:nvPicPr>
+        <p:blipFill>
+          <a:blip r:embed="rId9">
+            <a:extLst>
+              <a:ext uri="{28A0092B-C50C-407E-A947-70E740481C1C}">
+                <a14:useLocalDpi xmlns:a14="http://schemas.microsoft.com/office/drawing/2010/main" val="0"/>
+              </a:ext>
+            </a:extLst>
+          </a:blip>
+          <a:stretch>
+            <a:fillRect/>
+          </a:stretch>
+        </p:blipFill>
+        <p:spPr>
+          <a:xfrm>
+            <a:off x="2030703" y="2718943"/>
+            <a:ext cx="2505075" cy="2228850"/>
+          </a:xfrm>
+          <a:prstGeom prst="rect">
+            <a:avLst/>
+          </a:prstGeom>
+        </p:spPr>
+      </p:pic>
+      <p:cxnSp>
+        <p:nvCxnSpPr>
+          <p:cNvPr id="17" name="直接连接符 16">
+            <a:extLst>
+              <a:ext uri="{FF2B5EF4-FFF2-40B4-BE49-F238E27FC236}">
+                <a16:creationId xmlns:a16="http://schemas.microsoft.com/office/drawing/2014/main" id="{CCD561FD-FC3C-44FA-A983-A220EF83B009}"/>
+              </a:ext>
+            </a:extLst>
+          </p:cNvPr>
+          <p:cNvCxnSpPr>
+            <a:cxnSpLocks/>
+          </p:cNvCxnSpPr>
+          <p:nvPr/>
+        </p:nvCxnSpPr>
+        <p:spPr>
+          <a:xfrm flipH="1">
+            <a:off x="6127392" y="3306486"/>
+            <a:ext cx="766119" cy="656346"/>
+          </a:xfrm>
+          <a:prstGeom prst="line">
+            <a:avLst/>
+          </a:prstGeom>
+          <a:ln w="12700"/>
+        </p:spPr>
+        <p:style>
+          <a:lnRef idx="3">
+            <a:schemeClr val="dk1"/>
+          </a:lnRef>
+          <a:fillRef idx="0">
+            <a:schemeClr val="dk1"/>
+          </a:fillRef>
+          <a:effectRef idx="2">
+            <a:schemeClr val="dk1"/>
+          </a:effectRef>
+          <a:fontRef idx="minor">
+            <a:schemeClr val="tx1"/>
+          </a:fontRef>
+        </p:style>
+      </p:cxnSp>
+      <p:cxnSp>
+        <p:nvCxnSpPr>
+          <p:cNvPr id="23" name="直接连接符 22">
+            <a:extLst>
+              <a:ext uri="{FF2B5EF4-FFF2-40B4-BE49-F238E27FC236}">
+                <a16:creationId xmlns:a16="http://schemas.microsoft.com/office/drawing/2014/main" id="{D719421D-AFA0-4FC3-AC26-4F8815303AEB}"/>
+              </a:ext>
+            </a:extLst>
+          </p:cNvPr>
+          <p:cNvCxnSpPr>
+            <a:cxnSpLocks/>
+          </p:cNvCxnSpPr>
+          <p:nvPr/>
+        </p:nvCxnSpPr>
+        <p:spPr>
+          <a:xfrm flipH="1" flipV="1">
+            <a:off x="5880258" y="3435610"/>
+            <a:ext cx="1346730" cy="419216"/>
+          </a:xfrm>
+          <a:prstGeom prst="line">
+            <a:avLst/>
+          </a:prstGeom>
+          <a:ln w="12700"/>
+        </p:spPr>
+        <p:style>
+          <a:lnRef idx="3">
+            <a:schemeClr val="dk1"/>
+          </a:lnRef>
+          <a:fillRef idx="0">
+            <a:schemeClr val="dk1"/>
+          </a:fillRef>
+          <a:effectRef idx="2">
+            <a:schemeClr val="dk1"/>
+          </a:effectRef>
+          <a:fontRef idx="minor">
+            <a:schemeClr val="tx1"/>
+          </a:fontRef>
+        </p:style>
+      </p:cxnSp>
+      <mc:AlternateContent xmlns:mc="http://schemas.openxmlformats.org/markup-compatibility/2006">
+        <mc:Choice xmlns:a14="http://schemas.microsoft.com/office/drawing/2010/main" Requires="a14">
+          <p:sp>
+            <p:nvSpPr>
+              <p:cNvPr id="29" name="文本框 28">
+                <a:extLst>
+                  <a:ext uri="{FF2B5EF4-FFF2-40B4-BE49-F238E27FC236}">
+                    <a16:creationId xmlns:a16="http://schemas.microsoft.com/office/drawing/2014/main" id="{FC053A1F-3C88-4B9E-B8BA-46504BB5124D}"/>
+                  </a:ext>
+                </a:extLst>
+              </p:cNvPr>
+              <p:cNvSpPr txBox="1"/>
+              <p:nvPr/>
+            </p:nvSpPr>
+            <p:spPr>
+              <a:xfrm>
+                <a:off x="6504395" y="3681298"/>
+                <a:ext cx="185948" cy="276999"/>
+              </a:xfrm>
+              <a:prstGeom prst="rect">
+                <a:avLst/>
+              </a:prstGeom>
+              <a:noFill/>
+            </p:spPr>
+            <p:txBody>
+              <a:bodyPr wrap="none" lIns="0" tIns="0" rIns="0" bIns="0" rtlCol="0">
+                <a:spAutoFit/>
+              </a:bodyPr>
+              <a:lstStyle/>
+              <a:p>
+                <a14:m>
+                  <m:oMathPara xmlns:m="http://schemas.openxmlformats.org/officeDocument/2006/math">
+                    <m:oMathParaPr>
+                      <m:jc m:val="centerGroup"/>
+                    </m:oMathParaPr>
+                    <m:oMath xmlns:m="http://schemas.openxmlformats.org/officeDocument/2006/math">
+                      <m:r>
+                        <m:rPr>
+                          <m:sty m:val="p"/>
+                        </m:rPr>
+                        <a:rPr lang="en-US" altLang="zh-CN" b="0" i="0" smtClean="0">
+                          <a:latin typeface="Cambria Math" panose="02040503050406030204" pitchFamily="18" charset="0"/>
+                        </a:rPr>
+                        <m:t>Γ</m:t>
+                      </m:r>
+                    </m:oMath>
+                  </m:oMathPara>
+                </a14:m>
+                <a:endParaRPr lang="zh-CN" altLang="en-US" dirty="0"/>
+              </a:p>
+            </p:txBody>
+          </p:sp>
+        </mc:Choice>
+        <mc:Fallback>
+          <p:sp>
+            <p:nvSpPr>
+              <p:cNvPr id="29" name="文本框 28">
+                <a:extLst>
+                  <a:ext uri="{FF2B5EF4-FFF2-40B4-BE49-F238E27FC236}">
+                    <a16:creationId xmlns:a16="http://schemas.microsoft.com/office/drawing/2014/main" id="{FC053A1F-3C88-4B9E-B8BA-46504BB5124D}"/>
+                  </a:ext>
+                </a:extLst>
+              </p:cNvPr>
+              <p:cNvSpPr txBox="1">
+                <a:spLocks noRot="1" noChangeAspect="1" noMove="1" noResize="1" noEditPoints="1" noAdjustHandles="1" noChangeArrowheads="1" noChangeShapeType="1" noTextEdit="1"/>
+              </p:cNvSpPr>
+              <p:nvPr/>
+            </p:nvSpPr>
+            <p:spPr>
+              <a:xfrm>
+                <a:off x="6504395" y="3681298"/>
+                <a:ext cx="185948" cy="276999"/>
+              </a:xfrm>
+              <a:prstGeom prst="rect">
+                <a:avLst/>
+              </a:prstGeom>
+              <a:blipFill>
+                <a:blip r:embed="rId10"/>
+                <a:stretch>
+                  <a:fillRect l="-30000" r="-26667" b="-6667"/>
+                </a:stretch>
+              </a:blipFill>
+            </p:spPr>
+            <p:txBody>
+              <a:bodyPr/>
+              <a:lstStyle/>
+              <a:p>
+                <a:r>
+                  <a:rPr lang="zh-CN" altLang="en-US">
+                    <a:noFill/>
+                  </a:rPr>
+                  <a:t> </a:t>
+                </a:r>
+              </a:p>
+            </p:txBody>
+          </p:sp>
+        </mc:Fallback>
+      </mc:AlternateContent>
+      <mc:AlternateContent xmlns:mc="http://schemas.openxmlformats.org/markup-compatibility/2006">
+        <mc:Choice xmlns:a14="http://schemas.microsoft.com/office/drawing/2010/main" Requires="a14">
+          <p:sp>
+            <p:nvSpPr>
+              <p:cNvPr id="31" name="文本框 30">
+                <a:extLst>
+                  <a:ext uri="{FF2B5EF4-FFF2-40B4-BE49-F238E27FC236}">
+                    <a16:creationId xmlns:a16="http://schemas.microsoft.com/office/drawing/2014/main" id="{5D8F2C22-A157-4796-9A0D-DF679C795D3E}"/>
+                  </a:ext>
+                </a:extLst>
+              </p:cNvPr>
+              <p:cNvSpPr txBox="1"/>
+              <p:nvPr/>
+            </p:nvSpPr>
+            <p:spPr>
+              <a:xfrm>
+                <a:off x="6575041" y="2932619"/>
+                <a:ext cx="775863" cy="369332"/>
+              </a:xfrm>
+              <a:prstGeom prst="rect">
+                <a:avLst/>
+              </a:prstGeom>
+              <a:noFill/>
+            </p:spPr>
+            <p:txBody>
+              <a:bodyPr wrap="square" rtlCol="0">
+                <a:spAutoFit/>
+              </a:bodyPr>
+              <a:lstStyle/>
+              <a:p>
+                <a14:m>
+                  <m:oMathPara xmlns:m="http://schemas.openxmlformats.org/officeDocument/2006/math">
+                    <m:oMathParaPr>
+                      <m:jc m:val="centerGroup"/>
+                    </m:oMathParaPr>
+                    <m:oMath xmlns:m="http://schemas.openxmlformats.org/officeDocument/2006/math">
+                      <m:r>
+                        <a:rPr lang="en-US" altLang="zh-CN" b="0" i="1" smtClean="0">
+                          <a:latin typeface="Cambria Math" panose="02040503050406030204" pitchFamily="18" charset="0"/>
+                        </a:rPr>
+                        <m:t>𝑍</m:t>
+                      </m:r>
+                    </m:oMath>
+                  </m:oMathPara>
+                </a14:m>
+                <a:endParaRPr lang="zh-CN" altLang="en-US" dirty="0"/>
+              </a:p>
+            </p:txBody>
+          </p:sp>
+        </mc:Choice>
+        <mc:Fallback>
+          <p:sp>
+            <p:nvSpPr>
+              <p:cNvPr id="31" name="文本框 30">
+                <a:extLst>
+                  <a:ext uri="{FF2B5EF4-FFF2-40B4-BE49-F238E27FC236}">
+                    <a16:creationId xmlns:a16="http://schemas.microsoft.com/office/drawing/2014/main" id="{5D8F2C22-A157-4796-9A0D-DF679C795D3E}"/>
+                  </a:ext>
+                </a:extLst>
+              </p:cNvPr>
+              <p:cNvSpPr txBox="1">
+                <a:spLocks noRot="1" noChangeAspect="1" noMove="1" noResize="1" noEditPoints="1" noAdjustHandles="1" noChangeArrowheads="1" noChangeShapeType="1" noTextEdit="1"/>
+              </p:cNvSpPr>
+              <p:nvPr/>
+            </p:nvSpPr>
+            <p:spPr>
+              <a:xfrm>
+                <a:off x="6575041" y="2932619"/>
+                <a:ext cx="775863" cy="369332"/>
+              </a:xfrm>
+              <a:prstGeom prst="rect">
+                <a:avLst/>
+              </a:prstGeom>
+              <a:blipFill>
+                <a:blip r:embed="rId11"/>
+                <a:stretch>
+                  <a:fillRect/>
+                </a:stretch>
+              </a:blipFill>
+            </p:spPr>
+            <p:txBody>
+              <a:bodyPr/>
+              <a:lstStyle/>
+              <a:p>
+                <a:r>
+                  <a:rPr lang="zh-CN" altLang="en-US">
+                    <a:noFill/>
+                  </a:rPr>
+                  <a:t> </a:t>
+                </a:r>
+              </a:p>
+            </p:txBody>
+          </p:sp>
+        </mc:Fallback>
+      </mc:AlternateContent>
+      <p:cxnSp>
+        <p:nvCxnSpPr>
+          <p:cNvPr id="32" name="直接连接符 31">
+            <a:extLst>
+              <a:ext uri="{FF2B5EF4-FFF2-40B4-BE49-F238E27FC236}">
+                <a16:creationId xmlns:a16="http://schemas.microsoft.com/office/drawing/2014/main" id="{6ACB821B-48C9-48F7-BF1E-14D1BF00EDC7}"/>
+              </a:ext>
+            </a:extLst>
+          </p:cNvPr>
+          <p:cNvCxnSpPr>
+            <a:cxnSpLocks/>
+          </p:cNvCxnSpPr>
+          <p:nvPr/>
+        </p:nvCxnSpPr>
+        <p:spPr>
+          <a:xfrm flipH="1" flipV="1">
+            <a:off x="2708354" y="3278286"/>
+            <a:ext cx="1329581" cy="386128"/>
+          </a:xfrm>
+          <a:prstGeom prst="line">
+            <a:avLst/>
+          </a:prstGeom>
+          <a:ln w="12700"/>
+        </p:spPr>
+        <p:style>
+          <a:lnRef idx="3">
+            <a:schemeClr val="dk1"/>
+          </a:lnRef>
+          <a:fillRef idx="0">
+            <a:schemeClr val="dk1"/>
+          </a:fillRef>
+          <a:effectRef idx="2">
+            <a:schemeClr val="dk1"/>
+          </a:effectRef>
+          <a:fontRef idx="minor">
+            <a:schemeClr val="tx1"/>
+          </a:fontRef>
+        </p:style>
+      </p:cxnSp>
+      <p:cxnSp>
+        <p:nvCxnSpPr>
+          <p:cNvPr id="35" name="直接连接符 34">
+            <a:extLst>
+              <a:ext uri="{FF2B5EF4-FFF2-40B4-BE49-F238E27FC236}">
+                <a16:creationId xmlns:a16="http://schemas.microsoft.com/office/drawing/2014/main" id="{ABD729CF-FD90-4CE8-9AA1-6F179A938F01}"/>
+              </a:ext>
+            </a:extLst>
+          </p:cNvPr>
+          <p:cNvCxnSpPr>
+            <a:cxnSpLocks/>
+          </p:cNvCxnSpPr>
+          <p:nvPr/>
+        </p:nvCxnSpPr>
+        <p:spPr>
+          <a:xfrm flipH="1">
+            <a:off x="2991040" y="3137185"/>
+            <a:ext cx="759211" cy="666577"/>
+          </a:xfrm>
+          <a:prstGeom prst="line">
+            <a:avLst/>
+          </a:prstGeom>
+          <a:ln w="12700"/>
+        </p:spPr>
+        <p:style>
+          <a:lnRef idx="3">
+            <a:schemeClr val="dk1"/>
+          </a:lnRef>
+          <a:fillRef idx="0">
+            <a:schemeClr val="dk1"/>
+          </a:fillRef>
+          <a:effectRef idx="2">
+            <a:schemeClr val="dk1"/>
+          </a:effectRef>
+          <a:fontRef idx="minor">
+            <a:schemeClr val="tx1"/>
+          </a:fontRef>
+        </p:style>
+      </p:cxnSp>
+      <mc:AlternateContent xmlns:mc="http://schemas.openxmlformats.org/markup-compatibility/2006">
+        <mc:Choice xmlns:a14="http://schemas.microsoft.com/office/drawing/2010/main" Requires="a14">
+          <p:sp>
+            <p:nvSpPr>
+              <p:cNvPr id="38" name="文本框 37">
+                <a:extLst>
+                  <a:ext uri="{FF2B5EF4-FFF2-40B4-BE49-F238E27FC236}">
+                    <a16:creationId xmlns:a16="http://schemas.microsoft.com/office/drawing/2014/main" id="{962AF511-60D4-4DBD-9C24-7A63A1431486}"/>
+                  </a:ext>
+                </a:extLst>
+              </p:cNvPr>
+              <p:cNvSpPr txBox="1"/>
+              <p:nvPr/>
+            </p:nvSpPr>
+            <p:spPr>
+              <a:xfrm>
+                <a:off x="3269575" y="3483359"/>
+                <a:ext cx="296562" cy="369332"/>
+              </a:xfrm>
+              <a:prstGeom prst="rect">
+                <a:avLst/>
+              </a:prstGeom>
+              <a:noFill/>
+            </p:spPr>
+            <p:txBody>
+              <a:bodyPr wrap="square">
+                <a:spAutoFit/>
+              </a:bodyPr>
+              <a:lstStyle/>
+              <a:p>
+                <a:pPr/>
+                <a14:m>
+                  <m:oMathPara xmlns:m="http://schemas.openxmlformats.org/officeDocument/2006/math">
+                    <m:oMathParaPr>
+                      <m:jc m:val="centerGroup"/>
+                    </m:oMathParaPr>
+                    <m:oMath xmlns:m="http://schemas.openxmlformats.org/officeDocument/2006/math">
+                      <m:r>
+                        <m:rPr>
+                          <m:sty m:val="p"/>
+                        </m:rPr>
+                        <a:rPr lang="en-US" altLang="zh-CN" b="0" i="0" smtClean="0">
+                          <a:latin typeface="Cambria Math" panose="02040503050406030204" pitchFamily="18" charset="0"/>
+                        </a:rPr>
+                        <m:t>Γ</m:t>
+                      </m:r>
+                    </m:oMath>
+                  </m:oMathPara>
+                </a14:m>
+                <a:endParaRPr lang="zh-CN" altLang="en-US" dirty="0"/>
+              </a:p>
+            </p:txBody>
+          </p:sp>
+        </mc:Choice>
+        <mc:Fallback>
+          <p:sp>
+            <p:nvSpPr>
+              <p:cNvPr id="38" name="文本框 37">
+                <a:extLst>
+                  <a:ext uri="{FF2B5EF4-FFF2-40B4-BE49-F238E27FC236}">
+                    <a16:creationId xmlns:a16="http://schemas.microsoft.com/office/drawing/2014/main" id="{962AF511-60D4-4DBD-9C24-7A63A1431486}"/>
+                  </a:ext>
+                </a:extLst>
+              </p:cNvPr>
+              <p:cNvSpPr txBox="1">
+                <a:spLocks noRot="1" noChangeAspect="1" noMove="1" noResize="1" noEditPoints="1" noAdjustHandles="1" noChangeArrowheads="1" noChangeShapeType="1" noTextEdit="1"/>
+              </p:cNvSpPr>
+              <p:nvPr/>
+            </p:nvSpPr>
+            <p:spPr>
+              <a:xfrm>
+                <a:off x="3269575" y="3483359"/>
+                <a:ext cx="296562" cy="369332"/>
+              </a:xfrm>
+              <a:prstGeom prst="rect">
+                <a:avLst/>
+              </a:prstGeom>
+              <a:blipFill>
+                <a:blip r:embed="rId12"/>
+                <a:stretch>
+                  <a:fillRect/>
+                </a:stretch>
+              </a:blipFill>
+            </p:spPr>
+            <p:txBody>
+              <a:bodyPr/>
+              <a:lstStyle/>
+              <a:p>
+                <a:r>
+                  <a:rPr lang="zh-CN" altLang="en-US">
+                    <a:noFill/>
+                  </a:rPr>
+                  <a:t> </a:t>
+                </a:r>
+              </a:p>
+            </p:txBody>
+          </p:sp>
+        </mc:Fallback>
+      </mc:AlternateContent>
+      <mc:AlternateContent xmlns:mc="http://schemas.openxmlformats.org/markup-compatibility/2006">
+        <mc:Choice xmlns:a14="http://schemas.microsoft.com/office/drawing/2010/main" Requires="a14">
+          <p:sp>
+            <p:nvSpPr>
+              <p:cNvPr id="40" name="文本框 39">
+                <a:extLst>
+                  <a:ext uri="{FF2B5EF4-FFF2-40B4-BE49-F238E27FC236}">
+                    <a16:creationId xmlns:a16="http://schemas.microsoft.com/office/drawing/2014/main" id="{619EA7F7-E4BA-4BC1-ACD2-E5A91CD933C4}"/>
+                  </a:ext>
+                </a:extLst>
+              </p:cNvPr>
+              <p:cNvSpPr txBox="1"/>
+              <p:nvPr/>
+            </p:nvSpPr>
+            <p:spPr>
+              <a:xfrm>
+                <a:off x="3566137" y="2813745"/>
+                <a:ext cx="399572" cy="369332"/>
+              </a:xfrm>
+              <a:prstGeom prst="rect">
+                <a:avLst/>
+              </a:prstGeom>
+              <a:noFill/>
+            </p:spPr>
+            <p:txBody>
+              <a:bodyPr wrap="square">
+                <a:spAutoFit/>
+              </a:bodyPr>
+              <a:lstStyle/>
+              <a:p>
+                <a:pPr/>
+                <a14:m>
+                  <m:oMathPara xmlns:m="http://schemas.openxmlformats.org/officeDocument/2006/math">
+                    <m:oMathParaPr>
+                      <m:jc m:val="centerGroup"/>
+                    </m:oMathParaPr>
+                    <m:oMath xmlns:m="http://schemas.openxmlformats.org/officeDocument/2006/math">
+                      <m:r>
+                        <a:rPr lang="en-US" altLang="zh-CN" b="0" i="1" smtClean="0">
+                          <a:latin typeface="Cambria Math" panose="02040503050406030204" pitchFamily="18" charset="0"/>
+                        </a:rPr>
+                        <m:t>𝑍</m:t>
+                      </m:r>
+                    </m:oMath>
+                  </m:oMathPara>
+                </a14:m>
+                <a:endParaRPr lang="zh-CN" altLang="en-US" dirty="0"/>
+              </a:p>
+            </p:txBody>
+          </p:sp>
+        </mc:Choice>
+        <mc:Fallback>
+          <p:sp>
+            <p:nvSpPr>
+              <p:cNvPr id="40" name="文本框 39">
+                <a:extLst>
+                  <a:ext uri="{FF2B5EF4-FFF2-40B4-BE49-F238E27FC236}">
+                    <a16:creationId xmlns:a16="http://schemas.microsoft.com/office/drawing/2014/main" id="{619EA7F7-E4BA-4BC1-ACD2-E5A91CD933C4}"/>
+                  </a:ext>
+                </a:extLst>
+              </p:cNvPr>
+              <p:cNvSpPr txBox="1">
+                <a:spLocks noRot="1" noChangeAspect="1" noMove="1" noResize="1" noEditPoints="1" noAdjustHandles="1" noChangeArrowheads="1" noChangeShapeType="1" noTextEdit="1"/>
+              </p:cNvSpPr>
+              <p:nvPr/>
+            </p:nvSpPr>
+            <p:spPr>
+              <a:xfrm>
+                <a:off x="3566137" y="2813745"/>
+                <a:ext cx="399572" cy="369332"/>
+              </a:xfrm>
+              <a:prstGeom prst="rect">
+                <a:avLst/>
+              </a:prstGeom>
+              <a:blipFill>
+                <a:blip r:embed="rId13"/>
+                <a:stretch>
+                  <a:fillRect/>
+                </a:stretch>
+              </a:blipFill>
+            </p:spPr>
+            <p:txBody>
+              <a:bodyPr/>
+              <a:lstStyle/>
+              <a:p>
+                <a:r>
+                  <a:rPr lang="zh-CN" altLang="en-US">
+                    <a:noFill/>
+                  </a:rPr>
+                  <a:t> </a:t>
+                </a:r>
+              </a:p>
+            </p:txBody>
+          </p:sp>
+        </mc:Fallback>
+      </mc:AlternateContent>
+    </p:spTree>
+    <p:extLst>
+      <p:ext uri="{BB962C8B-B14F-4D97-AF65-F5344CB8AC3E}">
+        <p14:creationId xmlns:p14="http://schemas.microsoft.com/office/powerpoint/2010/main" val="1869779987"/>
+      </p:ext>
+    </p:extLst>
+  </p:cSld>
+  <p:clrMapOvr>
+    <a:masterClrMapping/>
+  </p:clrMapOvr>
+</p:sld>
+</file>
+
+<file path=ppt/slides/slide4.xml><?xml version="1.0" encoding="utf-8"?>
+<p:sld xmlns:a="http://schemas.openxmlformats.org/drawingml/2006/main" xmlns:r="http://schemas.openxmlformats.org/officeDocument/2006/relationships" xmlns:p="http://schemas.openxmlformats.org/presentationml/2006/main">
+  <p:cSld>
+    <p:spTree>
+      <p:nvGrpSpPr>
+        <p:cNvPr id="1" name=""/>
+        <p:cNvGrpSpPr/>
+        <p:nvPr/>
+      </p:nvGrpSpPr>
+      <p:grpSpPr>
+        <a:xfrm>
+          <a:off x="0" y="0"/>
+          <a:ext cx="0" cy="0"/>
+          <a:chOff x="0" y="0"/>
+          <a:chExt cx="0" cy="0"/>
+        </a:xfrm>
+      </p:grpSpPr>
+      <p:pic>
+        <p:nvPicPr>
           <p:cNvPr id="8" name="图片 7">
             <a:extLst>
               <a:ext uri="{FF2B5EF4-FFF2-40B4-BE49-F238E27FC236}">
@@ -3655,6 +4609,126 @@
     <p:extLst>
       <p:ext uri="{BB962C8B-B14F-4D97-AF65-F5344CB8AC3E}">
         <p14:creationId xmlns:p14="http://schemas.microsoft.com/office/powerpoint/2010/main" val="1833907385"/>
+      </p:ext>
+    </p:extLst>
+  </p:cSld>
+  <p:clrMapOvr>
+    <a:masterClrMapping/>
+  </p:clrMapOvr>
+</p:sld>
+</file>
+
+<file path=ppt/slides/slide5.xml><?xml version="1.0" encoding="utf-8"?>
+<p:sld xmlns:a="http://schemas.openxmlformats.org/drawingml/2006/main" xmlns:r="http://schemas.openxmlformats.org/officeDocument/2006/relationships" xmlns:p="http://schemas.openxmlformats.org/presentationml/2006/main">
+  <p:cSld>
+    <p:spTree>
+      <p:nvGrpSpPr>
+        <p:cNvPr id="1" name=""/>
+        <p:cNvGrpSpPr/>
+        <p:nvPr/>
+      </p:nvGrpSpPr>
+      <p:grpSpPr>
+        <a:xfrm>
+          <a:off x="0" y="0"/>
+          <a:ext cx="0" cy="0"/>
+          <a:chOff x="0" y="0"/>
+          <a:chExt cx="0" cy="0"/>
+        </a:xfrm>
+      </p:grpSpPr>
+      <p:pic>
+        <p:nvPicPr>
+          <p:cNvPr id="6" name="图片 5">
+            <a:extLst>
+              <a:ext uri="{FF2B5EF4-FFF2-40B4-BE49-F238E27FC236}">
+                <a16:creationId xmlns:a16="http://schemas.microsoft.com/office/drawing/2014/main" id="{1F9E588D-B84D-4B87-B7D6-9FE0C848AF33}"/>
+              </a:ext>
+            </a:extLst>
+          </p:cNvPr>
+          <p:cNvPicPr>
+            <a:picLocks noChangeAspect="1"/>
+          </p:cNvPicPr>
+          <p:nvPr/>
+        </p:nvPicPr>
+        <p:blipFill>
+          <a:blip r:embed="rId2"/>
+          <a:stretch>
+            <a:fillRect/>
+          </a:stretch>
+        </p:blipFill>
+        <p:spPr>
+          <a:xfrm>
+            <a:off x="7097523" y="799840"/>
+            <a:ext cx="3257875" cy="3573578"/>
+          </a:xfrm>
+          <a:prstGeom prst="rect">
+            <a:avLst/>
+          </a:prstGeom>
+        </p:spPr>
+      </p:pic>
+      <p:pic>
+        <p:nvPicPr>
+          <p:cNvPr id="8" name="图片 7">
+            <a:extLst>
+              <a:ext uri="{FF2B5EF4-FFF2-40B4-BE49-F238E27FC236}">
+                <a16:creationId xmlns:a16="http://schemas.microsoft.com/office/drawing/2014/main" id="{34F231A7-24EF-4B4F-85B1-14E71175B4CE}"/>
+              </a:ext>
+            </a:extLst>
+          </p:cNvPr>
+          <p:cNvPicPr>
+            <a:picLocks noChangeAspect="1"/>
+          </p:cNvPicPr>
+          <p:nvPr/>
+        </p:nvPicPr>
+        <p:blipFill>
+          <a:blip r:embed="rId3"/>
+          <a:stretch>
+            <a:fillRect/>
+          </a:stretch>
+        </p:blipFill>
+        <p:spPr>
+          <a:xfrm>
+            <a:off x="302187" y="1491049"/>
+            <a:ext cx="3326208" cy="2574242"/>
+          </a:xfrm>
+          <a:prstGeom prst="rect">
+            <a:avLst/>
+          </a:prstGeom>
+        </p:spPr>
+      </p:pic>
+      <p:pic>
+        <p:nvPicPr>
+          <p:cNvPr id="10" name="图片 9">
+            <a:extLst>
+              <a:ext uri="{FF2B5EF4-FFF2-40B4-BE49-F238E27FC236}">
+                <a16:creationId xmlns:a16="http://schemas.microsoft.com/office/drawing/2014/main" id="{1C8D5DD2-1718-4F1C-9843-BE96B0404C5F}"/>
+              </a:ext>
+            </a:extLst>
+          </p:cNvPr>
+          <p:cNvPicPr>
+            <a:picLocks noChangeAspect="1"/>
+          </p:cNvPicPr>
+          <p:nvPr/>
+        </p:nvPicPr>
+        <p:blipFill>
+          <a:blip r:embed="rId4"/>
+          <a:stretch>
+            <a:fillRect/>
+          </a:stretch>
+        </p:blipFill>
+        <p:spPr>
+          <a:xfrm>
+            <a:off x="3663736" y="1491049"/>
+            <a:ext cx="3398446" cy="2520662"/>
+          </a:xfrm>
+          <a:prstGeom prst="rect">
+            <a:avLst/>
+          </a:prstGeom>
+        </p:spPr>
+      </p:pic>
+    </p:spTree>
+    <p:extLst>
+      <p:ext uri="{BB962C8B-B14F-4D97-AF65-F5344CB8AC3E}">
+        <p14:creationId xmlns:p14="http://schemas.microsoft.com/office/powerpoint/2010/main" val="1043834443"/>
       </p:ext>
     </p:extLst>
   </p:cSld>
